--- a/vwan/03-vwan-nva-b2v-1hub/media/network-diagram.pptx
+++ b/vwan/03-vwan-nva-b2v-1hub/media/network-diagram.pptx
@@ -6599,13 +6599,13 @@
           <p:nvPr>
             <p:extLst>
               <p:ext uri="{D42A27DB-BD31-4B8C-83A1-F6EECF244321}">
-                <p14:modId xmlns:p14="http://schemas.microsoft.com/office/powerpoint/2010/main" val="1145420025"/>
+                <p14:modId xmlns:p14="http://schemas.microsoft.com/office/powerpoint/2010/main" val="3472326490"/>
               </p:ext>
             </p:extLst>
           </p:nvPr>
         </p:nvGraphicFramePr>
         <p:xfrm>
-          <a:off x="8400992" y="4751406"/>
+          <a:off x="8404139" y="3637520"/>
           <a:ext cx="3286536" cy="863766"/>
         </p:xfrm>
         <a:graphic>
@@ -9217,13 +9217,13 @@
           <p:nvPr>
             <p:extLst>
               <p:ext uri="{D42A27DB-BD31-4B8C-83A1-F6EECF244321}">
-                <p14:modId xmlns:p14="http://schemas.microsoft.com/office/powerpoint/2010/main" val="137488621"/>
+                <p14:modId xmlns:p14="http://schemas.microsoft.com/office/powerpoint/2010/main" val="485319324"/>
               </p:ext>
             </p:extLst>
           </p:nvPr>
         </p:nvGraphicFramePr>
         <p:xfrm>
-          <a:off x="8422769" y="3780149"/>
+          <a:off x="8442369" y="4551763"/>
           <a:ext cx="3286536" cy="950043"/>
         </p:xfrm>
         <a:graphic>
